--- a/trunk/design/source code structure - 20171004.pptx
+++ b/trunk/design/source code structure - 20171004.pptx
@@ -259,12 +259,12 @@
             <a:pPr>
               <a:defRPr/>
             </a:pPr>
-            <a:fld id="{A7654353-2F50-4FC0-B1F9-67F3036CE929}" type="datetimeFigureOut">
+            <a:fld id="{11EEFD71-C547-4670-B631-A77061CD31C2}" type="datetimeFigureOut">
               <a:rPr lang="en-US"/>
               <a:pPr>
                 <a:defRPr/>
               </a:pPr>
-              <a:t>10/4/2017</a:t>
+              <a:t>10/5/2017</a:t>
             </a:fld>
             <a:endParaRPr lang="en-US" dirty="0"/>
           </a:p>
@@ -352,7 +352,7 @@
             <a:pPr>
               <a:defRPr/>
             </a:pPr>
-            <a:fld id="{DCE87794-6980-48CB-9E08-A9A72A4D1022}" type="slidenum">
+            <a:fld id="{E72C37B5-AFE8-459B-862E-3884FFF811F4}" type="slidenum">
               <a:rPr lang="en-US"/>
               <a:pPr>
                 <a:defRPr/>
@@ -985,7 +985,7 @@
               </a:spcAft>
               <a:defRPr/>
             </a:pPr>
-            <a:fld id="{9FE08EE4-4301-4DE6-B24A-A9758E0DF1B0}" type="slidenum">
+            <a:fld id="{5E25FBF7-2C74-4620-A08A-B9FE01BCEED5}" type="slidenum">
               <a:rPr lang="en-US" sz="800">
                 <a:solidFill>
                   <a:prstClr val="white">
@@ -5486,6 +5486,9 @@
           <a:bodyPr lIns="91430" tIns="45715" rIns="91430" bIns="45715" anchor="ctr"/>
           <a:lstStyle/>
           <a:p>
+            <a:pPr>
+              <a:defRPr/>
+            </a:pPr>
             <a:endParaRPr lang="ja-JP" altLang="en-US">
               <a:solidFill>
                 <a:srgbClr val="FFFFFF"/>
@@ -6425,7 +6428,7 @@
               </a:spcAft>
               <a:defRPr/>
             </a:pPr>
-            <a:fld id="{6EDBD71D-3FB9-437C-8B23-2333BFE51E24}" type="slidenum">
+            <a:fld id="{C229531E-5DE9-4AD5-A949-A312D69A6A9E}" type="slidenum">
               <a:rPr lang="en-US" sz="800">
                 <a:solidFill>
                   <a:prstClr val="white">
@@ -10900,6 +10903,9 @@
           <a:bodyPr lIns="91430" tIns="45715" rIns="91430" bIns="45715" anchor="ctr"/>
           <a:lstStyle/>
           <a:p>
+            <a:pPr>
+              <a:defRPr/>
+            </a:pPr>
             <a:endParaRPr lang="ja-JP" altLang="en-US">
               <a:solidFill>
                 <a:srgbClr val="FFFFFF"/>
@@ -15961,6 +15967,9 @@
           <a:bodyPr lIns="91430" tIns="45715" rIns="91430" bIns="45715" anchor="ctr"/>
           <a:lstStyle/>
           <a:p>
+            <a:pPr>
+              <a:defRPr/>
+            </a:pPr>
             <a:endParaRPr lang="ja-JP" altLang="en-US">
               <a:solidFill>
                 <a:srgbClr val="FFFFFF"/>
@@ -16106,7 +16115,7 @@
               </a:spcAft>
               <a:defRPr/>
             </a:pPr>
-            <a:fld id="{85D37E1E-B064-4B2C-8822-C18EF313BCC5}" type="slidenum">
+            <a:fld id="{D68FE352-8B6C-4546-ACE3-907B74DB2A45}" type="slidenum">
               <a:rPr lang="en-US" sz="800">
                 <a:solidFill>
                   <a:prstClr val="white">
@@ -20712,6 +20721,9 @@
           <a:bodyPr lIns="91430" tIns="45715" rIns="91430" bIns="45715" anchor="ctr"/>
           <a:lstStyle/>
           <a:p>
+            <a:pPr>
+              <a:defRPr/>
+            </a:pPr>
             <a:endParaRPr lang="ja-JP" altLang="en-US">
               <a:solidFill>
                 <a:srgbClr val="FFFFFF"/>
@@ -21026,7 +21038,7 @@
               </a:spcAft>
               <a:defRPr/>
             </a:pPr>
-            <a:fld id="{239E5F06-FE23-4A4C-91A0-3BDE0862C7E1}" type="slidenum">
+            <a:fld id="{6B646938-6918-407A-A8F5-DFEF893B5E26}" type="slidenum">
               <a:rPr lang="en-US" sz="800">
                 <a:solidFill>
                   <a:srgbClr val="414141">
@@ -21104,6 +21116,9 @@
             <a:bodyPr anchor="ctr"/>
             <a:lstStyle/>
             <a:p>
+              <a:pPr>
+                <a:defRPr/>
+              </a:pPr>
               <a:endParaRPr lang="ja-JP" altLang="en-US">
                 <a:solidFill>
                   <a:srgbClr val="FFFFFF"/>
@@ -21157,6 +21172,9 @@
               <a:bodyPr wrap="none" anchor="ctr"/>
               <a:lstStyle/>
               <a:p>
+                <a:pPr>
+                  <a:defRPr/>
+                </a:pPr>
                 <a:endParaRPr lang="ja-JP" altLang="en-US">
                   <a:solidFill>
                     <a:srgbClr val="000000"/>
@@ -21194,6 +21212,9 @@
               <a:bodyPr wrap="none" anchor="ctr"/>
               <a:lstStyle/>
               <a:p>
+                <a:pPr>
+                  <a:defRPr/>
+                </a:pPr>
                 <a:endParaRPr lang="ja-JP" altLang="en-US">
                   <a:solidFill>
                     <a:srgbClr val="000000"/>
@@ -25600,10 +25621,10 @@
   <p:clrMap bg1="lt1" tx1="dk1" bg2="lt2" tx2="dk2" accent1="accent1" accent2="accent2" accent3="accent3" accent4="accent4" accent5="accent5" accent6="accent6" hlink="hlink" folHlink="folHlink"/>
   <p:sldLayoutIdLst>
     <p:sldLayoutId id="2147483792" r:id="rId1"/>
-    <p:sldLayoutId id="2147483791" r:id="rId2"/>
+    <p:sldLayoutId id="2147483789" r:id="rId2"/>
     <p:sldLayoutId id="2147483793" r:id="rId3"/>
     <p:sldLayoutId id="2147483790" r:id="rId4"/>
-    <p:sldLayoutId id="2147483789" r:id="rId5"/>
+    <p:sldLayoutId id="2147483791" r:id="rId5"/>
     <p:sldLayoutId id="2147483794" r:id="rId6"/>
     <p:sldLayoutId id="2147483795" r:id="rId7"/>
     <p:sldLayoutId id="2147483796" r:id="rId8"/>
@@ -26040,7 +26061,9 @@
           <a:bodyPr/>
           <a:lstStyle/>
           <a:p>
-            <a:pPr eaLnBrk="1" hangingPunct="1"/>
+            <a:pPr eaLnBrk="1" hangingPunct="1">
+              <a:defRPr/>
+            </a:pPr>
             <a:r>
               <a:rPr lang="en-US" altLang="en-US" smtClean="0"/>
               <a:t>Source Code Structure</a:t>
@@ -26051,7 +26074,7 @@
       </p:sp>
       <p:sp>
         <p:nvSpPr>
-          <p:cNvPr id="13315" name="Text Placeholder 22"/>
+          <p:cNvPr id="13314" name="Text Placeholder 22"/>
           <p:cNvSpPr>
             <a:spLocks noGrp="1"/>
           </p:cNvSpPr>
@@ -26091,7 +26114,7 @@
       </p:sp>
       <p:sp>
         <p:nvSpPr>
-          <p:cNvPr id="13317" name="Text Placeholder 19"/>
+          <p:cNvPr id="13315" name="Text Placeholder 19"/>
           <p:cNvSpPr>
             <a:spLocks noGrp="1"/>
           </p:cNvSpPr>
@@ -26185,12 +26208,9 @@
           <a:lstStyle/>
           <a:p>
             <a:pPr eaLnBrk="1" hangingPunct="1"/>
-            <a:r>
-              <a:rPr lang="en-US" smtClean="0">
-                <a:latin typeface="Arial" charset="0"/>
-              </a:rPr>
-              <a:t>CR General Information</a:t>
-            </a:r>
+            <a:endParaRPr lang="en-US" smtClean="0">
+              <a:latin typeface="Arial" charset="0"/>
+            </a:endParaRPr>
           </a:p>
         </p:txBody>
       </p:sp>
@@ -26207,7 +26227,7 @@
         <p:spPr bwMode="auto">
           <a:xfrm>
             <a:off x="263525" y="1014413"/>
-            <a:ext cx="8575675" cy="1727200"/>
+            <a:ext cx="8575675" cy="458787"/>
           </a:xfrm>
           <a:noFill/>
           <a:ln>
@@ -26228,42 +26248,9 @@
               <a:buFont typeface="Wingdings" pitchFamily="2" charset="2"/>
               <a:buChar char="u"/>
             </a:pPr>
-            <a:r>
-              <a:rPr lang="en-US" smtClean="0">
-                <a:latin typeface="Arial" charset="0"/>
-              </a:rPr>
-              <a:t>Change Description: </a:t>
-            </a:r>
-          </a:p>
-          <a:p>
-            <a:pPr lvl="1" eaLnBrk="1" hangingPunct="1"/>
-            <a:r>
-              <a:rPr lang="en-US" smtClean="0">
-                <a:latin typeface="Arial" charset="0"/>
-              </a:rPr>
-              <a:t>CA detects new file based on file size and file modified time.</a:t>
-            </a:r>
-          </a:p>
-          <a:p>
-            <a:pPr lvl="1" eaLnBrk="1" hangingPunct="1"/>
-            <a:r>
-              <a:rPr lang="en-US" smtClean="0">
-                <a:latin typeface="Arial" charset="0"/>
-              </a:rPr>
-              <a:t>This change shall be applied for Seat Reservation Data and Timetable Data.</a:t>
-            </a:r>
-          </a:p>
-          <a:p>
-            <a:pPr marL="279400" indent="-279400" eaLnBrk="1" hangingPunct="1">
-              <a:buFont typeface="Wingdings" pitchFamily="2" charset="2"/>
-              <a:buChar char="u"/>
-            </a:pPr>
-            <a:r>
-              <a:rPr lang="en-US" smtClean="0">
-                <a:latin typeface="Arial" charset="0"/>
-              </a:rPr>
-              <a:t>Cause: Change request from HCC, Pankaj</a:t>
-            </a:r>
+            <a:endParaRPr lang="en-US" smtClean="0">
+              <a:latin typeface="Arial" charset="0"/>
+            </a:endParaRPr>
           </a:p>
         </p:txBody>
       </p:sp>
